--- a/ECLT5840/project-2/asgn2-spec.pptx
+++ b/ECLT5840/project-2/asgn2-spec.pptx
@@ -3090,7 +3090,7 @@
         <a:spcBef>
           <a:spcPts val="1000"/>
         </a:spcBef>
-        <a:buFont typeface="Arial" panose="020B0604020202090204" pitchFamily="34" charset="0"/>
+        <a:buFont typeface="Arial" panose="020B0604020202020204" pitchFamily="34" charset="0"/>
         <a:buChar char="•"/>
         <a:defRPr sz="2800" kern="1200">
           <a:solidFill>
@@ -3108,7 +3108,7 @@
         <a:spcBef>
           <a:spcPts val="500"/>
         </a:spcBef>
-        <a:buFont typeface="Arial" panose="020B0604020202090204" pitchFamily="34" charset="0"/>
+        <a:buFont typeface="Arial" panose="020B0604020202020204" pitchFamily="34" charset="0"/>
         <a:buChar char="•"/>
         <a:defRPr sz="2400" kern="1200">
           <a:solidFill>
@@ -3126,7 +3126,7 @@
         <a:spcBef>
           <a:spcPts val="500"/>
         </a:spcBef>
-        <a:buFont typeface="Arial" panose="020B0604020202090204" pitchFamily="34" charset="0"/>
+        <a:buFont typeface="Arial" panose="020B0604020202020204" pitchFamily="34" charset="0"/>
         <a:buChar char="•"/>
         <a:defRPr sz="2000" kern="1200">
           <a:solidFill>
@@ -3144,7 +3144,7 @@
         <a:spcBef>
           <a:spcPts val="500"/>
         </a:spcBef>
-        <a:buFont typeface="Arial" panose="020B0604020202090204" pitchFamily="34" charset="0"/>
+        <a:buFont typeface="Arial" panose="020B0604020202020204" pitchFamily="34" charset="0"/>
         <a:buChar char="•"/>
         <a:defRPr sz="1800" kern="1200">
           <a:solidFill>
@@ -3162,7 +3162,7 @@
         <a:spcBef>
           <a:spcPts val="500"/>
         </a:spcBef>
-        <a:buFont typeface="Arial" panose="020B0604020202090204" pitchFamily="34" charset="0"/>
+        <a:buFont typeface="Arial" panose="020B0604020202020204" pitchFamily="34" charset="0"/>
         <a:buChar char="•"/>
         <a:defRPr sz="1800" kern="1200">
           <a:solidFill>
@@ -3180,7 +3180,7 @@
         <a:spcBef>
           <a:spcPts val="500"/>
         </a:spcBef>
-        <a:buFont typeface="Arial" panose="020B0604020202090204" pitchFamily="34" charset="0"/>
+        <a:buFont typeface="Arial" panose="020B0604020202020204" pitchFamily="34" charset="0"/>
         <a:buChar char="•"/>
         <a:defRPr sz="1800" kern="1200">
           <a:solidFill>
@@ -3198,7 +3198,7 @@
         <a:spcBef>
           <a:spcPts val="500"/>
         </a:spcBef>
-        <a:buFont typeface="Arial" panose="020B0604020202090204" pitchFamily="34" charset="0"/>
+        <a:buFont typeface="Arial" panose="020B0604020202020204" pitchFamily="34" charset="0"/>
         <a:buChar char="•"/>
         <a:defRPr sz="1800" kern="1200">
           <a:solidFill>
@@ -3216,7 +3216,7 @@
         <a:spcBef>
           <a:spcPts val="500"/>
         </a:spcBef>
-        <a:buFont typeface="Arial" panose="020B0604020202090204" pitchFamily="34" charset="0"/>
+        <a:buFont typeface="Arial" panose="020B0604020202020204" pitchFamily="34" charset="0"/>
         <a:buChar char="•"/>
         <a:defRPr sz="1800" kern="1200">
           <a:solidFill>
@@ -3234,7 +3234,7 @@
         <a:spcBef>
           <a:spcPts val="500"/>
         </a:spcBef>
-        <a:buFont typeface="Arial" panose="020B0604020202090204" pitchFamily="34" charset="0"/>
+        <a:buFont typeface="Arial" panose="020B0604020202020204" pitchFamily="34" charset="0"/>
         <a:buChar char="•"/>
         <a:defRPr sz="1800" kern="1200">
           <a:solidFill>
